--- a/PPTGenerator/PPTGenerator/bin/Debug/Slide.pptx
+++ b/PPTGenerator/PPTGenerator/bin/Debug/Slide.pptx
@@ -222,7 +222,7 @@
                   <a:prstClr val="black"/>
                 </a:solidFill>
               </a:rPr>
-              <a:t>DOGGIES</a:t>
+              <a:t>Dogs</a:t>
             </a:r>
           </a:p>
           <a:p>
@@ -233,7 +233,7 @@
                   <a:prstClr val="black"/>
                 </a:solidFill>
               </a:rPr>
-              <a:t>DOGGIES</a:t>
+              <a:t>A cat and bear</a:t>
             </a:r>
           </a:p>
         </p:txBody>
